--- a/Cover Page (ALL).pptx
+++ b/Cover Page (ALL).pptx
@@ -5,12 +5,13 @@
     <p:sldMasterId id="2147483801" r:id="rId4"/>
   </p:sldMasterIdLst>
   <p:notesMasterIdLst>
-    <p:notesMasterId r:id="rId8"/>
+    <p:notesMasterId r:id="rId9"/>
   </p:notesMasterIdLst>
   <p:sldIdLst>
     <p:sldId id="1850" r:id="rId5"/>
-    <p:sldId id="1851" r:id="rId6"/>
-    <p:sldId id="1848" r:id="rId7"/>
+    <p:sldId id="1852" r:id="rId6"/>
+    <p:sldId id="1851" r:id="rId7"/>
+    <p:sldId id="1848" r:id="rId8"/>
   </p:sldIdLst>
   <p:sldSz cx="6858000" cy="9906000" type="A4"/>
   <p:notesSz cx="6858000" cy="9144000"/>
@@ -750,6 +751,120 @@
         <p:cNvPr id="1" name="">
           <a:extLst>
             <a:ext uri="{FF2B5EF4-FFF2-40B4-BE49-F238E27FC236}">
+              <a16:creationId xmlns:a16="http://schemas.microsoft.com/office/drawing/2014/main" id="{03E56BED-E730-C6A7-B8D6-E83DD013B199}"/>
+            </a:ext>
+          </a:extLst>
+        </p:cNvPr>
+        <p:cNvGrpSpPr/>
+        <p:nvPr/>
+      </p:nvGrpSpPr>
+      <p:grpSpPr>
+        <a:xfrm>
+          <a:off x="0" y="0"/>
+          <a:ext cx="0" cy="0"/>
+          <a:chOff x="0" y="0"/>
+          <a:chExt cx="0" cy="0"/>
+        </a:xfrm>
+      </p:grpSpPr>
+      <p:sp>
+        <p:nvSpPr>
+          <p:cNvPr id="2" name="Slide Image Placeholder 1">
+            <a:extLst>
+              <a:ext uri="{FF2B5EF4-FFF2-40B4-BE49-F238E27FC236}">
+                <a16:creationId xmlns:a16="http://schemas.microsoft.com/office/drawing/2014/main" id="{9B93162D-2F40-E071-E513-E22E2B4A0778}"/>
+              </a:ext>
+            </a:extLst>
+          </p:cNvPr>
+          <p:cNvSpPr>
+            <a:spLocks noGrp="1" noRot="1" noChangeAspect="1"/>
+          </p:cNvSpPr>
+          <p:nvPr>
+            <p:ph type="sldImg"/>
+          </p:nvPr>
+        </p:nvSpPr>
+        <p:spPr>
+          <a:xfrm>
+            <a:off x="2241550" y="685800"/>
+            <a:ext cx="2374900" cy="3429000"/>
+          </a:xfrm>
+        </p:spPr>
+      </p:sp>
+      <p:sp>
+        <p:nvSpPr>
+          <p:cNvPr id="3" name="Notes Placeholder 2">
+            <a:extLst>
+              <a:ext uri="{FF2B5EF4-FFF2-40B4-BE49-F238E27FC236}">
+                <a16:creationId xmlns:a16="http://schemas.microsoft.com/office/drawing/2014/main" id="{F04116FC-5C41-9CCA-BEE5-BED7AC7B3065}"/>
+              </a:ext>
+            </a:extLst>
+          </p:cNvPr>
+          <p:cNvSpPr>
+            <a:spLocks noGrp="1"/>
+          </p:cNvSpPr>
+          <p:nvPr>
+            <p:ph type="body" idx="1"/>
+          </p:nvPr>
+        </p:nvSpPr>
+        <p:spPr/>
+        <p:txBody>
+          <a:bodyPr/>
+          <a:lstStyle/>
+          <a:p>
+            <a:endParaRPr lang="en-US" dirty="0"/>
+          </a:p>
+        </p:txBody>
+      </p:sp>
+      <p:sp>
+        <p:nvSpPr>
+          <p:cNvPr id="4" name="Slide Number Placeholder 3">
+            <a:extLst>
+              <a:ext uri="{FF2B5EF4-FFF2-40B4-BE49-F238E27FC236}">
+                <a16:creationId xmlns:a16="http://schemas.microsoft.com/office/drawing/2014/main" id="{511D7860-E421-C4F9-DB97-D2A7145F24E3}"/>
+              </a:ext>
+            </a:extLst>
+          </p:cNvPr>
+          <p:cNvSpPr>
+            <a:spLocks noGrp="1"/>
+          </p:cNvSpPr>
+          <p:nvPr>
+            <p:ph type="sldNum" sz="quarter" idx="5"/>
+          </p:nvPr>
+        </p:nvSpPr>
+        <p:spPr/>
+        <p:txBody>
+          <a:bodyPr/>
+          <a:lstStyle/>
+          <a:p>
+            <a:fld id="{6DEB7EE2-04A2-4FB2-9625-C9C73AC4D32F}" type="slidenum">
+              <a:rPr lang="en-US" altLang="en-US" smtClean="0"/>
+              <a:pPr/>
+              <a:t>2</a:t>
+            </a:fld>
+            <a:endParaRPr lang="en-US" altLang="en-US" dirty="0"/>
+          </a:p>
+        </p:txBody>
+      </p:sp>
+    </p:spTree>
+    <p:extLst>
+      <p:ext uri="{BB962C8B-B14F-4D97-AF65-F5344CB8AC3E}">
+        <p14:creationId xmlns:p14="http://schemas.microsoft.com/office/powerpoint/2010/main" val="801152026"/>
+      </p:ext>
+    </p:extLst>
+  </p:cSld>
+  <p:clrMapOvr>
+    <a:masterClrMapping/>
+  </p:clrMapOvr>
+</p:notes>
+</file>
+
+<file path=ppt/notesSlides/notesSlide3.xml><?xml version="1.0" encoding="utf-8"?>
+<p:notes xmlns:a="http://schemas.openxmlformats.org/drawingml/2006/main" xmlns:r="http://schemas.openxmlformats.org/officeDocument/2006/relationships" xmlns:p="http://schemas.openxmlformats.org/presentationml/2006/main">
+  <p:cSld>
+    <p:spTree>
+      <p:nvGrpSpPr>
+        <p:cNvPr id="1" name="">
+          <a:extLst>
+            <a:ext uri="{FF2B5EF4-FFF2-40B4-BE49-F238E27FC236}">
               <a16:creationId xmlns:a16="http://schemas.microsoft.com/office/drawing/2014/main" id="{61C86983-E466-A183-79BD-86D89300A604}"/>
             </a:ext>
           </a:extLst>
@@ -837,7 +952,7 @@
             <a:fld id="{6DEB7EE2-04A2-4FB2-9625-C9C73AC4D32F}" type="slidenum">
               <a:rPr lang="en-US" altLang="en-US" smtClean="0"/>
               <a:pPr/>
-              <a:t>2</a:t>
+              <a:t>3</a:t>
             </a:fld>
             <a:endParaRPr lang="en-US" altLang="en-US" dirty="0"/>
           </a:p>
@@ -856,7 +971,7 @@
 </p:notes>
 </file>
 
-<file path=ppt/notesSlides/notesSlide3.xml><?xml version="1.0" encoding="utf-8"?>
+<file path=ppt/notesSlides/notesSlide4.xml><?xml version="1.0" encoding="utf-8"?>
 <p:notes xmlns:a="http://schemas.openxmlformats.org/drawingml/2006/main" xmlns:r="http://schemas.openxmlformats.org/officeDocument/2006/relationships" xmlns:p="http://schemas.openxmlformats.org/presentationml/2006/main">
   <p:cSld>
     <p:spTree>
@@ -951,7 +1066,7 @@
             <a:fld id="{6DEB7EE2-04A2-4FB2-9625-C9C73AC4D32F}" type="slidenum">
               <a:rPr lang="en-US" altLang="en-US" smtClean="0"/>
               <a:pPr/>
-              <a:t>3</a:t>
+              <a:t>4</a:t>
             </a:fld>
             <a:endParaRPr lang="en-US" altLang="en-US" dirty="0"/>
           </a:p>
@@ -1117,7 +1232,7 @@
           <a:p>
             <a:fld id="{48A87A34-81AB-432B-8DAE-1953F412C126}" type="datetimeFigureOut">
               <a:rPr lang="en-US" smtClean="0"/>
-              <a:t>12/1/2024</a:t>
+              <a:t>5/4/2025</a:t>
             </a:fld>
             <a:endParaRPr lang="en-US" dirty="0"/>
           </a:p>
@@ -1315,7 +1430,7 @@
           <a:p>
             <a:fld id="{48A87A34-81AB-432B-8DAE-1953F412C126}" type="datetimeFigureOut">
               <a:rPr lang="en-US" smtClean="0"/>
-              <a:t>12/1/2024</a:t>
+              <a:t>5/4/2025</a:t>
             </a:fld>
             <a:endParaRPr lang="en-US" dirty="0"/>
           </a:p>
@@ -1523,7 +1638,7 @@
           <a:p>
             <a:fld id="{48A87A34-81AB-432B-8DAE-1953F412C126}" type="datetimeFigureOut">
               <a:rPr lang="en-US" smtClean="0"/>
-              <a:t>12/1/2024</a:t>
+              <a:t>5/4/2025</a:t>
             </a:fld>
             <a:endParaRPr lang="en-US" dirty="0"/>
           </a:p>
@@ -1947,7 +2062,7 @@
           <a:p>
             <a:fld id="{48A87A34-81AB-432B-8DAE-1953F412C126}" type="datetimeFigureOut">
               <a:rPr lang="en-US" smtClean="0"/>
-              <a:t>12/1/2024</a:t>
+              <a:t>5/4/2025</a:t>
             </a:fld>
             <a:endParaRPr lang="en-US" dirty="0"/>
           </a:p>
@@ -2222,7 +2337,7 @@
           <a:p>
             <a:fld id="{48A87A34-81AB-432B-8DAE-1953F412C126}" type="datetimeFigureOut">
               <a:rPr lang="en-US" smtClean="0"/>
-              <a:t>12/1/2024</a:t>
+              <a:t>5/4/2025</a:t>
             </a:fld>
             <a:endParaRPr lang="en-US" dirty="0"/>
           </a:p>
@@ -2487,7 +2602,7 @@
           <a:p>
             <a:fld id="{48A87A34-81AB-432B-8DAE-1953F412C126}" type="datetimeFigureOut">
               <a:rPr lang="en-US" smtClean="0"/>
-              <a:t>12/1/2024</a:t>
+              <a:t>5/4/2025</a:t>
             </a:fld>
             <a:endParaRPr lang="en-US" dirty="0"/>
           </a:p>
@@ -2899,7 +3014,7 @@
           <a:p>
             <a:fld id="{48A87A34-81AB-432B-8DAE-1953F412C126}" type="datetimeFigureOut">
               <a:rPr lang="en-US" smtClean="0"/>
-              <a:t>12/1/2024</a:t>
+              <a:t>5/4/2025</a:t>
             </a:fld>
             <a:endParaRPr lang="en-US" dirty="0"/>
           </a:p>
@@ -3040,7 +3155,7 @@
           <a:p>
             <a:fld id="{48A87A34-81AB-432B-8DAE-1953F412C126}" type="datetimeFigureOut">
               <a:rPr lang="en-US" smtClean="0"/>
-              <a:t>12/1/2024</a:t>
+              <a:t>5/4/2025</a:t>
             </a:fld>
             <a:endParaRPr lang="en-US" dirty="0"/>
           </a:p>
@@ -3153,7 +3268,7 @@
           <a:p>
             <a:fld id="{48A87A34-81AB-432B-8DAE-1953F412C126}" type="datetimeFigureOut">
               <a:rPr lang="en-US" smtClean="0"/>
-              <a:t>12/1/2024</a:t>
+              <a:t>5/4/2025</a:t>
             </a:fld>
             <a:endParaRPr lang="en-US" dirty="0"/>
           </a:p>
@@ -3464,7 +3579,7 @@
           <a:p>
             <a:fld id="{48A87A34-81AB-432B-8DAE-1953F412C126}" type="datetimeFigureOut">
               <a:rPr lang="en-US" smtClean="0"/>
-              <a:t>12/1/2024</a:t>
+              <a:t>5/4/2025</a:t>
             </a:fld>
             <a:endParaRPr lang="en-US" dirty="0"/>
           </a:p>
@@ -3753,7 +3868,7 @@
             <a:fld id="{48A87A34-81AB-432B-8DAE-1953F412C126}" type="datetimeFigureOut">
               <a:rPr lang="en-US" smtClean="0"/>
               <a:pPr/>
-              <a:t>12/1/2024</a:t>
+              <a:t>5/4/2025</a:t>
             </a:fld>
             <a:endParaRPr lang="en-US" dirty="0"/>
           </a:p>
@@ -3995,7 +4110,7 @@
             <a:fld id="{48A87A34-81AB-432B-8DAE-1953F412C126}" type="datetimeFigureOut">
               <a:rPr lang="en-US" smtClean="0"/>
               <a:pPr/>
-              <a:t>12/1/2024</a:t>
+              <a:t>5/4/2025</a:t>
             </a:fld>
             <a:endParaRPr lang="en-US" dirty="0"/>
           </a:p>
@@ -4567,8 +4682,8 @@
         </p:nvSpPr>
         <p:spPr>
           <a:xfrm>
-            <a:off x="1342518" y="3667430"/>
-            <a:ext cx="4172961" cy="738664"/>
+            <a:off x="1342518" y="3077656"/>
+            <a:ext cx="4761383" cy="1477328"/>
           </a:xfrm>
           <a:prstGeom prst="rect">
             <a:avLst/>
@@ -4604,9 +4719,29 @@
           </a:lstStyle>
           <a:p>
             <a:r>
-              <a:rPr lang="en-US" sz="4800"/>
-              <a:t>“Assignment”</a:t>
-            </a:r>
+              <a:rPr lang="en-US" sz="3600"/>
+              <a:t>“Assignment on”</a:t>
+            </a:r>
+          </a:p>
+          <a:p>
+            <a:r>
+              <a:rPr lang="en-US" sz="3600"/>
+              <a:t>Engineering Economics</a:t>
+            </a:r>
+          </a:p>
+          <a:p>
+            <a:r>
+              <a:rPr lang="en-US" sz="2400">
+                <a:solidFill>
+                  <a:schemeClr val="tx1">
+                    <a:lumMod val="65000"/>
+                    <a:lumOff val="35000"/>
+                  </a:schemeClr>
+                </a:solidFill>
+              </a:rPr>
+              <a:t>ECO-3201</a:t>
+            </a:r>
+            <a:endParaRPr lang="en-US" sz="2400"/>
           </a:p>
         </p:txBody>
       </p:sp>
@@ -4662,7 +4797,7 @@
                   </a:schemeClr>
                 </a:solidFill>
               </a:rPr>
-              <a:t>CSE 3135 - Microprocessors and Microcontroller</a:t>
+              <a:t>ECO-3201: Engineering Economics</a:t>
             </a:r>
             <a:endParaRPr lang="en-US" sz="1600" dirty="0">
               <a:solidFill>
@@ -4955,8 +5090,8 @@
         </p:nvSpPr>
         <p:spPr>
           <a:xfrm>
-            <a:off x="250632" y="5348567"/>
-            <a:ext cx="2975893" cy="2611136"/>
+            <a:off x="250633" y="5348567"/>
+            <a:ext cx="2402256" cy="2611136"/>
           </a:xfrm>
           <a:prstGeom prst="roundRect">
             <a:avLst/>
@@ -5078,7 +5213,7 @@
                   </a:schemeClr>
                 </a:solidFill>
               </a:rPr>
-              <a:t>7</a:t>
+              <a:t>8</a:t>
             </a:r>
             <a:r>
               <a:rPr lang="en-US" sz="2100" baseline="30000">
@@ -5131,7 +5266,7 @@
                   </a:schemeClr>
                 </a:solidFill>
               </a:rPr>
-              <a:t>30-11-2024</a:t>
+              <a:t>05-05-2025</a:t>
             </a:r>
             <a:endParaRPr lang="en-US" sz="2100" dirty="0">
               <a:solidFill>
@@ -5157,8 +5292,8 @@
         </p:nvSpPr>
         <p:spPr>
           <a:xfrm>
-            <a:off x="3429000" y="5348566"/>
-            <a:ext cx="3178369" cy="2611137"/>
+            <a:off x="2844800" y="5348566"/>
+            <a:ext cx="3762569" cy="2611137"/>
           </a:xfrm>
           <a:prstGeom prst="roundRect">
             <a:avLst/>
@@ -5227,7 +5362,7 @@
                   </a:schemeClr>
                 </a:solidFill>
               </a:rPr>
-              <a:t>Md Ariful Islam,</a:t>
+              <a:t>Prof. Dr. Md. Khalilur Rahman,</a:t>
             </a:r>
             <a:br>
               <a:rPr lang="en-US" sz="2100">
@@ -5248,7 +5383,7 @@
                   </a:schemeClr>
                 </a:solidFill>
               </a:rPr>
-              <a:t>Lecturer,</a:t>
+              <a:t>Professor,</a:t>
             </a:r>
           </a:p>
           <a:p>
@@ -5262,7 +5397,7 @@
                   </a:schemeClr>
                 </a:solidFill>
               </a:rPr>
-              <a:t>Department of CSE &amp; CSIT </a:t>
+              <a:t>Department of Business Administration</a:t>
             </a:r>
             <a:br>
               <a:rPr lang="en-US" sz="2100">
@@ -5325,7 +5460,7 @@
         <p:cNvPr id="1" name="">
           <a:extLst>
             <a:ext uri="{FF2B5EF4-FFF2-40B4-BE49-F238E27FC236}">
-              <a16:creationId xmlns:a16="http://schemas.microsoft.com/office/drawing/2014/main" id="{627078FF-44B6-B6A1-B6BB-0EA0EA9375C5}"/>
+              <a16:creationId xmlns:a16="http://schemas.microsoft.com/office/drawing/2014/main" id="{1EB2AD92-4881-1704-60F7-29EC50805C45}"/>
             </a:ext>
           </a:extLst>
         </p:cNvPr>
@@ -5345,7 +5480,7 @@
           <p:cNvPr id="9" name="Freeform: Shape 8">
             <a:extLst>
               <a:ext uri="{FF2B5EF4-FFF2-40B4-BE49-F238E27FC236}">
-                <a16:creationId xmlns:a16="http://schemas.microsoft.com/office/drawing/2014/main" id="{E84DE0AB-F34C-8A36-C6E4-1A22C42CD986}"/>
+                <a16:creationId xmlns:a16="http://schemas.microsoft.com/office/drawing/2014/main" id="{02A8EF70-9707-28C5-FC02-0D34F178A5A2}"/>
               </a:ext>
             </a:extLst>
           </p:cNvPr>
@@ -5446,7 +5581,7 @@
           <p:cNvPr id="13" name="Picture 12">
             <a:extLst>
               <a:ext uri="{FF2B5EF4-FFF2-40B4-BE49-F238E27FC236}">
-                <a16:creationId xmlns:a16="http://schemas.microsoft.com/office/drawing/2014/main" id="{7E1F6D9E-8D1E-F94D-C7F4-6406BE7109EF}"/>
+                <a16:creationId xmlns:a16="http://schemas.microsoft.com/office/drawing/2014/main" id="{6498B8BB-1094-AA9D-8182-68431EDEAA58}"/>
               </a:ext>
             </a:extLst>
           </p:cNvPr>
@@ -5476,7 +5611,7 @@
           <p:cNvPr id="14" name="Title 1">
             <a:extLst>
               <a:ext uri="{FF2B5EF4-FFF2-40B4-BE49-F238E27FC236}">
-                <a16:creationId xmlns:a16="http://schemas.microsoft.com/office/drawing/2014/main" id="{CDC69126-4E28-4A01-B2D8-FA03CC1FA5D3}"/>
+                <a16:creationId xmlns:a16="http://schemas.microsoft.com/office/drawing/2014/main" id="{8340EBC4-E12C-EDCD-2DFC-2999DC18E04E}"/>
               </a:ext>
             </a:extLst>
           </p:cNvPr>
@@ -5535,7 +5670,7 @@
           <p:cNvPr id="17" name="TextBox 16">
             <a:extLst>
               <a:ext uri="{FF2B5EF4-FFF2-40B4-BE49-F238E27FC236}">
-                <a16:creationId xmlns:a16="http://schemas.microsoft.com/office/drawing/2014/main" id="{BC0BB2A9-ADC5-E3D0-210E-DFB5462CDF48}"/>
+                <a16:creationId xmlns:a16="http://schemas.microsoft.com/office/drawing/2014/main" id="{FC8C0134-A7CA-2ADD-C4E0-90A8DDECFC10}"/>
               </a:ext>
             </a:extLst>
           </p:cNvPr>
@@ -5582,7 +5717,7 @@
                   </a:schemeClr>
                 </a:solidFill>
               </a:rPr>
-              <a:t>CSE-3171: Data Communication</a:t>
+              <a:t>CSE 3135 - Microprocessors and Microcontroller</a:t>
             </a:r>
             <a:endParaRPr lang="en-US" sz="1600" dirty="0">
               <a:solidFill>
@@ -5600,7 +5735,7 @@
           <p:cNvPr id="2" name="Rectangle 1">
             <a:extLst>
               <a:ext uri="{FF2B5EF4-FFF2-40B4-BE49-F238E27FC236}">
-                <a16:creationId xmlns:a16="http://schemas.microsoft.com/office/drawing/2014/main" id="{5899AF0E-ADAF-8912-2F24-3A3588313A2E}"/>
+                <a16:creationId xmlns:a16="http://schemas.microsoft.com/office/drawing/2014/main" id="{1EE98FD2-B06F-C389-35BA-D56E6518222E}"/>
               </a:ext>
             </a:extLst>
           </p:cNvPr>
@@ -5656,7 +5791,7 @@
           <p:cNvPr id="18" name="Freeform: Shape 17">
             <a:extLst>
               <a:ext uri="{FF2B5EF4-FFF2-40B4-BE49-F238E27FC236}">
-                <a16:creationId xmlns:a16="http://schemas.microsoft.com/office/drawing/2014/main" id="{2A70C622-AC19-BC93-08AC-32A67A316793}"/>
+                <a16:creationId xmlns:a16="http://schemas.microsoft.com/office/drawing/2014/main" id="{B606C5AB-6EEB-0CE7-A741-0080F80509BF}"/>
               </a:ext>
             </a:extLst>
           </p:cNvPr>
@@ -5765,7 +5900,7 @@
           <p:cNvPr id="20" name="Freeform: Shape 19">
             <a:extLst>
               <a:ext uri="{FF2B5EF4-FFF2-40B4-BE49-F238E27FC236}">
-                <a16:creationId xmlns:a16="http://schemas.microsoft.com/office/drawing/2014/main" id="{F6394020-2DBC-1D20-DEA4-0B49845710C7}"/>
+                <a16:creationId xmlns:a16="http://schemas.microsoft.com/office/drawing/2014/main" id="{498E2EED-3471-F125-1E10-EF9C8D304AF4}"/>
               </a:ext>
             </a:extLst>
           </p:cNvPr>
@@ -5866,7 +6001,7 @@
           <p:cNvPr id="26" name="Rectangle: Rounded Corners 25">
             <a:extLst>
               <a:ext uri="{FF2B5EF4-FFF2-40B4-BE49-F238E27FC236}">
-                <a16:creationId xmlns:a16="http://schemas.microsoft.com/office/drawing/2014/main" id="{9A83D411-7E80-5966-421F-CF16B63FBD29}"/>
+                <a16:creationId xmlns:a16="http://schemas.microsoft.com/office/drawing/2014/main" id="{762E9482-1756-9F2D-BC57-FCF93C427444}"/>
               </a:ext>
             </a:extLst>
           </p:cNvPr>
@@ -6068,7 +6203,7 @@
           <p:cNvPr id="27" name="Rectangle: Rounded Corners 26">
             <a:extLst>
               <a:ext uri="{FF2B5EF4-FFF2-40B4-BE49-F238E27FC236}">
-                <a16:creationId xmlns:a16="http://schemas.microsoft.com/office/drawing/2014/main" id="{48EEC481-2BD7-7CBD-31AE-D5EA0CBD2F5D}"/>
+                <a16:creationId xmlns:a16="http://schemas.microsoft.com/office/drawing/2014/main" id="{49BEB1E5-AD0C-A172-DC0F-21C6F070BD05}"/>
               </a:ext>
             </a:extLst>
           </p:cNvPr>
@@ -6215,6 +6350,926 @@
     </p:spTree>
     <p:extLst>
       <p:ext uri="{BB962C8B-B14F-4D97-AF65-F5344CB8AC3E}">
+        <p14:creationId xmlns:p14="http://schemas.microsoft.com/office/powerpoint/2010/main" val="2764318523"/>
+      </p:ext>
+    </p:extLst>
+  </p:cSld>
+  <p:clrMapOvr>
+    <a:masterClrMapping/>
+  </p:clrMapOvr>
+  <mc:AlternateContent xmlns:mc="http://schemas.openxmlformats.org/markup-compatibility/2006">
+    <mc:Choice xmlns:p14="http://schemas.microsoft.com/office/powerpoint/2010/main" Requires="p14">
+      <p:transition spd="med" p14:dur="700">
+        <p:fade/>
+      </p:transition>
+    </mc:Choice>
+    <mc:Fallback>
+      <p:transition spd="med">
+        <p:fade/>
+      </p:transition>
+    </mc:Fallback>
+  </mc:AlternateContent>
+</p:sld>
+</file>
+
+<file path=ppt/slides/slide3.xml><?xml version="1.0" encoding="utf-8"?>
+<p:sld xmlns:a="http://schemas.openxmlformats.org/drawingml/2006/main" xmlns:r="http://schemas.openxmlformats.org/officeDocument/2006/relationships" xmlns:p="http://schemas.openxmlformats.org/presentationml/2006/main">
+  <p:cSld>
+    <p:spTree>
+      <p:nvGrpSpPr>
+        <p:cNvPr id="1" name="">
+          <a:extLst>
+            <a:ext uri="{FF2B5EF4-FFF2-40B4-BE49-F238E27FC236}">
+              <a16:creationId xmlns:a16="http://schemas.microsoft.com/office/drawing/2014/main" id="{627078FF-44B6-B6A1-B6BB-0EA0EA9375C5}"/>
+            </a:ext>
+          </a:extLst>
+        </p:cNvPr>
+        <p:cNvGrpSpPr/>
+        <p:nvPr/>
+      </p:nvGrpSpPr>
+      <p:grpSpPr>
+        <a:xfrm>
+          <a:off x="0" y="0"/>
+          <a:ext cx="0" cy="0"/>
+          <a:chOff x="0" y="0"/>
+          <a:chExt cx="0" cy="0"/>
+        </a:xfrm>
+      </p:grpSpPr>
+      <p:sp>
+        <p:nvSpPr>
+          <p:cNvPr id="9" name="Freeform: Shape 8">
+            <a:extLst>
+              <a:ext uri="{FF2B5EF4-FFF2-40B4-BE49-F238E27FC236}">
+                <a16:creationId xmlns:a16="http://schemas.microsoft.com/office/drawing/2014/main" id="{E84DE0AB-F34C-8A36-C6E4-1A22C42CD986}"/>
+              </a:ext>
+            </a:extLst>
+          </p:cNvPr>
+          <p:cNvSpPr/>
+          <p:nvPr/>
+        </p:nvSpPr>
+        <p:spPr>
+          <a:xfrm rot="1731824">
+            <a:off x="-244062" y="1598875"/>
+            <a:ext cx="1407667" cy="3363046"/>
+          </a:xfrm>
+          <a:custGeom>
+            <a:avLst/>
+            <a:gdLst>
+              <a:gd name="connsiteX0" fmla="*/ 125903 w 1407667"/>
+              <a:gd name="connsiteY0" fmla="*/ 0 h 3363046"/>
+              <a:gd name="connsiteX1" fmla="*/ 1407667 w 1407667"/>
+              <a:gd name="connsiteY1" fmla="*/ 0 h 3363046"/>
+              <a:gd name="connsiteX2" fmla="*/ 1098595 w 1407667"/>
+              <a:gd name="connsiteY2" fmla="*/ 3363046 h 3363046"/>
+              <a:gd name="connsiteX3" fmla="*/ 0 w 1407667"/>
+              <a:gd name="connsiteY3" fmla="*/ 1369964 h 3363046"/>
+            </a:gdLst>
+            <a:ahLst/>
+            <a:cxnLst>
+              <a:cxn ang="0">
+                <a:pos x="connsiteX0" y="connsiteY0"/>
+              </a:cxn>
+              <a:cxn ang="0">
+                <a:pos x="connsiteX1" y="connsiteY1"/>
+              </a:cxn>
+              <a:cxn ang="0">
+                <a:pos x="connsiteX2" y="connsiteY2"/>
+              </a:cxn>
+              <a:cxn ang="0">
+                <a:pos x="connsiteX3" y="connsiteY3"/>
+              </a:cxn>
+            </a:cxnLst>
+            <a:rect l="l" t="t" r="r" b="b"/>
+            <a:pathLst>
+              <a:path w="1407667" h="3363046">
+                <a:moveTo>
+                  <a:pt x="125903" y="0"/>
+                </a:moveTo>
+                <a:lnTo>
+                  <a:pt x="1407667" y="0"/>
+                </a:lnTo>
+                <a:lnTo>
+                  <a:pt x="1098595" y="3363046"/>
+                </a:lnTo>
+                <a:lnTo>
+                  <a:pt x="0" y="1369964"/>
+                </a:lnTo>
+                <a:close/>
+              </a:path>
+            </a:pathLst>
+          </a:custGeom>
+          <a:solidFill>
+            <a:schemeClr val="bg1"/>
+          </a:solidFill>
+          <a:ln>
+            <a:solidFill>
+              <a:schemeClr val="bg2">
+                <a:lumMod val="25000"/>
+              </a:schemeClr>
+            </a:solidFill>
+          </a:ln>
+        </p:spPr>
+        <p:style>
+          <a:lnRef idx="2">
+            <a:schemeClr val="accent1">
+              <a:shade val="50000"/>
+            </a:schemeClr>
+          </a:lnRef>
+          <a:fillRef idx="1">
+            <a:schemeClr val="accent1"/>
+          </a:fillRef>
+          <a:effectRef idx="0">
+            <a:schemeClr val="accent1"/>
+          </a:effectRef>
+          <a:fontRef idx="minor">
+            <a:schemeClr val="lt1"/>
+          </a:fontRef>
+        </p:style>
+        <p:txBody>
+          <a:bodyPr wrap="square" rtlCol="0" anchor="ctr">
+            <a:noAutofit/>
+          </a:bodyPr>
+          <a:lstStyle/>
+          <a:p>
+            <a:pPr algn="ctr"/>
+            <a:endParaRPr lang="en-US"/>
+          </a:p>
+        </p:txBody>
+      </p:sp>
+      <p:pic>
+        <p:nvPicPr>
+          <p:cNvPr id="13" name="Picture 12">
+            <a:extLst>
+              <a:ext uri="{FF2B5EF4-FFF2-40B4-BE49-F238E27FC236}">
+                <a16:creationId xmlns:a16="http://schemas.microsoft.com/office/drawing/2014/main" id="{7E1F6D9E-8D1E-F94D-C7F4-6406BE7109EF}"/>
+              </a:ext>
+            </a:extLst>
+          </p:cNvPr>
+          <p:cNvPicPr>
+            <a:picLocks noChangeAspect="1"/>
+          </p:cNvPicPr>
+          <p:nvPr/>
+        </p:nvPicPr>
+        <p:blipFill>
+          <a:blip r:embed="rId3"/>
+          <a:stretch>
+            <a:fillRect/>
+          </a:stretch>
+        </p:blipFill>
+        <p:spPr>
+          <a:xfrm>
+            <a:off x="4665080" y="418725"/>
+            <a:ext cx="2094195" cy="1463800"/>
+          </a:xfrm>
+          <a:prstGeom prst="rect">
+            <a:avLst/>
+          </a:prstGeom>
+        </p:spPr>
+      </p:pic>
+      <p:sp>
+        <p:nvSpPr>
+          <p:cNvPr id="14" name="Title 1">
+            <a:extLst>
+              <a:ext uri="{FF2B5EF4-FFF2-40B4-BE49-F238E27FC236}">
+                <a16:creationId xmlns:a16="http://schemas.microsoft.com/office/drawing/2014/main" id="{CDC69126-4E28-4A01-B2D8-FA03CC1FA5D3}"/>
+              </a:ext>
+            </a:extLst>
+          </p:cNvPr>
+          <p:cNvSpPr txBox="1">
+            <a:spLocks/>
+          </p:cNvSpPr>
+          <p:nvPr/>
+        </p:nvSpPr>
+        <p:spPr>
+          <a:xfrm>
+            <a:off x="1342518" y="3667430"/>
+            <a:ext cx="4172961" cy="738664"/>
+          </a:xfrm>
+          <a:prstGeom prst="rect">
+            <a:avLst/>
+          </a:prstGeom>
+          <a:noFill/>
+        </p:spPr>
+        <p:txBody>
+          <a:bodyPr vert="horz" wrap="square" lIns="0" tIns="0" rIns="0" bIns="0" rtlCol="0" anchor="b" anchorCtr="0">
+            <a:spAutoFit/>
+          </a:bodyPr>
+          <a:lstStyle>
+            <a:lvl1pPr algn="ctr" defTabSz="1347253" rtl="0" eaLnBrk="1" latinLnBrk="0" hangingPunct="1">
+              <a:lnSpc>
+                <a:spcPct val="100000"/>
+              </a:lnSpc>
+              <a:spcBef>
+                <a:spcPct val="0"/>
+              </a:spcBef>
+              <a:buNone/>
+              <a:defRPr lang="en-US" sz="5778" b="1" i="0" kern="1200" cap="none" spc="-72" baseline="0" dirty="0">
+                <a:ln w="3175">
+                  <a:noFill/>
+                </a:ln>
+                <a:solidFill>
+                  <a:schemeClr val="tx1"/>
+                </a:solidFill>
+                <a:effectLst/>
+                <a:latin typeface="+mj-lt"/>
+                <a:ea typeface="+mn-ea"/>
+                <a:cs typeface="Segoe UI" pitchFamily="34" charset="0"/>
+              </a:defRPr>
+            </a:lvl1pPr>
+          </a:lstStyle>
+          <a:p>
+            <a:r>
+              <a:rPr lang="en-US" sz="4800"/>
+              <a:t>“Assignment”</a:t>
+            </a:r>
+          </a:p>
+        </p:txBody>
+      </p:sp>
+      <p:sp>
+        <p:nvSpPr>
+          <p:cNvPr id="17" name="TextBox 16">
+            <a:extLst>
+              <a:ext uri="{FF2B5EF4-FFF2-40B4-BE49-F238E27FC236}">
+                <a16:creationId xmlns:a16="http://schemas.microsoft.com/office/drawing/2014/main" id="{BC0BB2A9-ADC5-E3D0-210E-DFB5462CDF48}"/>
+              </a:ext>
+            </a:extLst>
+          </p:cNvPr>
+          <p:cNvSpPr txBox="1"/>
+          <p:nvPr/>
+        </p:nvSpPr>
+        <p:spPr>
+          <a:xfrm>
+            <a:off x="754097" y="8764262"/>
+            <a:ext cx="5349804" cy="584775"/>
+          </a:xfrm>
+          <a:prstGeom prst="rect">
+            <a:avLst/>
+          </a:prstGeom>
+          <a:noFill/>
+        </p:spPr>
+        <p:txBody>
+          <a:bodyPr wrap="square" rtlCol="0">
+            <a:spAutoFit/>
+          </a:bodyPr>
+          <a:lstStyle/>
+          <a:p>
+            <a:pPr algn="ctr"/>
+            <a:r>
+              <a:rPr lang="en-US" sz="1600" dirty="0">
+                <a:solidFill>
+                  <a:schemeClr val="tx1">
+                    <a:lumMod val="65000"/>
+                    <a:lumOff val="35000"/>
+                  </a:schemeClr>
+                </a:solidFill>
+              </a:rPr>
+              <a:t>Shanto Mariam University of Creative Technology</a:t>
+            </a:r>
+          </a:p>
+          <a:p>
+            <a:pPr algn="ctr"/>
+            <a:r>
+              <a:rPr lang="en-US" sz="1600">
+                <a:solidFill>
+                  <a:schemeClr val="tx1">
+                    <a:lumMod val="65000"/>
+                    <a:lumOff val="35000"/>
+                  </a:schemeClr>
+                </a:solidFill>
+              </a:rPr>
+              <a:t>CSE-3171: Data Communication</a:t>
+            </a:r>
+            <a:endParaRPr lang="en-US" sz="1600" dirty="0">
+              <a:solidFill>
+                <a:schemeClr val="tx1">
+                  <a:lumMod val="65000"/>
+                  <a:lumOff val="35000"/>
+                </a:schemeClr>
+              </a:solidFill>
+            </a:endParaRPr>
+          </a:p>
+        </p:txBody>
+      </p:sp>
+      <p:sp>
+        <p:nvSpPr>
+          <p:cNvPr id="2" name="Rectangle 1">
+            <a:extLst>
+              <a:ext uri="{FF2B5EF4-FFF2-40B4-BE49-F238E27FC236}">
+                <a16:creationId xmlns:a16="http://schemas.microsoft.com/office/drawing/2014/main" id="{5899AF0E-ADAF-8912-2F24-3A3588313A2E}"/>
+              </a:ext>
+            </a:extLst>
+          </p:cNvPr>
+          <p:cNvSpPr/>
+          <p:nvPr/>
+        </p:nvSpPr>
+        <p:spPr>
+          <a:xfrm>
+            <a:off x="0" y="9718766"/>
+            <a:ext cx="6858001" cy="187235"/>
+          </a:xfrm>
+          <a:prstGeom prst="rect">
+            <a:avLst/>
+          </a:prstGeom>
+          <a:solidFill>
+            <a:schemeClr val="bg1"/>
+          </a:solidFill>
+          <a:ln>
+            <a:solidFill>
+              <a:schemeClr val="bg2">
+                <a:lumMod val="75000"/>
+              </a:schemeClr>
+            </a:solidFill>
+          </a:ln>
+        </p:spPr>
+        <p:style>
+          <a:lnRef idx="2">
+            <a:schemeClr val="accent1">
+              <a:shade val="50000"/>
+            </a:schemeClr>
+          </a:lnRef>
+          <a:fillRef idx="1">
+            <a:schemeClr val="accent1"/>
+          </a:fillRef>
+          <a:effectRef idx="0">
+            <a:schemeClr val="accent1"/>
+          </a:effectRef>
+          <a:fontRef idx="minor">
+            <a:schemeClr val="lt1"/>
+          </a:fontRef>
+        </p:style>
+        <p:txBody>
+          <a:bodyPr rtlCol="0" anchor="ctr"/>
+          <a:lstStyle/>
+          <a:p>
+            <a:pPr algn="ctr"/>
+            <a:endParaRPr lang="en-US"/>
+          </a:p>
+        </p:txBody>
+      </p:sp>
+      <p:sp>
+        <p:nvSpPr>
+          <p:cNvPr id="18" name="Freeform: Shape 17">
+            <a:extLst>
+              <a:ext uri="{FF2B5EF4-FFF2-40B4-BE49-F238E27FC236}">
+                <a16:creationId xmlns:a16="http://schemas.microsoft.com/office/drawing/2014/main" id="{2A70C622-AC19-BC93-08AC-32A67A316793}"/>
+              </a:ext>
+            </a:extLst>
+          </p:cNvPr>
+          <p:cNvSpPr/>
+          <p:nvPr/>
+        </p:nvSpPr>
+        <p:spPr>
+          <a:xfrm>
+            <a:off x="-15714" y="360"/>
+            <a:ext cx="1888314" cy="2754162"/>
+          </a:xfrm>
+          <a:custGeom>
+            <a:avLst/>
+            <a:gdLst>
+              <a:gd name="connsiteX0" fmla="*/ 0 w 1888314"/>
+              <a:gd name="connsiteY0" fmla="*/ 0 h 2754162"/>
+              <a:gd name="connsiteX1" fmla="*/ 1147140 w 1888314"/>
+              <a:gd name="connsiteY1" fmla="*/ 0 h 2754162"/>
+              <a:gd name="connsiteX2" fmla="*/ 1888314 w 1888314"/>
+              <a:gd name="connsiteY2" fmla="*/ 2176667 h 2754162"/>
+              <a:gd name="connsiteX3" fmla="*/ 659894 w 1888314"/>
+              <a:gd name="connsiteY3" fmla="*/ 2754162 h 2754162"/>
+              <a:gd name="connsiteX4" fmla="*/ 0 w 1888314"/>
+              <a:gd name="connsiteY4" fmla="*/ 816199 h 2754162"/>
+            </a:gdLst>
+            <a:ahLst/>
+            <a:cxnLst>
+              <a:cxn ang="0">
+                <a:pos x="connsiteX0" y="connsiteY0"/>
+              </a:cxn>
+              <a:cxn ang="0">
+                <a:pos x="connsiteX1" y="connsiteY1"/>
+              </a:cxn>
+              <a:cxn ang="0">
+                <a:pos x="connsiteX2" y="connsiteY2"/>
+              </a:cxn>
+              <a:cxn ang="0">
+                <a:pos x="connsiteX3" y="connsiteY3"/>
+              </a:cxn>
+              <a:cxn ang="0">
+                <a:pos x="connsiteX4" y="connsiteY4"/>
+              </a:cxn>
+            </a:cxnLst>
+            <a:rect l="l" t="t" r="r" b="b"/>
+            <a:pathLst>
+              <a:path w="1888314" h="2754162">
+                <a:moveTo>
+                  <a:pt x="0" y="0"/>
+                </a:moveTo>
+                <a:lnTo>
+                  <a:pt x="1147140" y="0"/>
+                </a:lnTo>
+                <a:lnTo>
+                  <a:pt x="1888314" y="2176667"/>
+                </a:lnTo>
+                <a:lnTo>
+                  <a:pt x="659894" y="2754162"/>
+                </a:lnTo>
+                <a:lnTo>
+                  <a:pt x="0" y="816199"/>
+                </a:lnTo>
+                <a:close/>
+              </a:path>
+            </a:pathLst>
+          </a:custGeom>
+          <a:solidFill>
+            <a:schemeClr val="bg1"/>
+          </a:solidFill>
+          <a:ln>
+            <a:solidFill>
+              <a:schemeClr val="bg2">
+                <a:lumMod val="25000"/>
+              </a:schemeClr>
+            </a:solidFill>
+          </a:ln>
+        </p:spPr>
+        <p:style>
+          <a:lnRef idx="2">
+            <a:schemeClr val="accent1">
+              <a:shade val="50000"/>
+            </a:schemeClr>
+          </a:lnRef>
+          <a:fillRef idx="1">
+            <a:schemeClr val="accent1"/>
+          </a:fillRef>
+          <a:effectRef idx="0">
+            <a:schemeClr val="accent1"/>
+          </a:effectRef>
+          <a:fontRef idx="minor">
+            <a:schemeClr val="lt1"/>
+          </a:fontRef>
+        </p:style>
+        <p:txBody>
+          <a:bodyPr wrap="square" rtlCol="0" anchor="ctr">
+            <a:noAutofit/>
+          </a:bodyPr>
+          <a:lstStyle/>
+          <a:p>
+            <a:pPr algn="ctr"/>
+            <a:endParaRPr lang="en-US"/>
+          </a:p>
+        </p:txBody>
+      </p:sp>
+      <p:sp>
+        <p:nvSpPr>
+          <p:cNvPr id="20" name="Freeform: Shape 19">
+            <a:extLst>
+              <a:ext uri="{FF2B5EF4-FFF2-40B4-BE49-F238E27FC236}">
+                <a16:creationId xmlns:a16="http://schemas.microsoft.com/office/drawing/2014/main" id="{F6394020-2DBC-1D20-DEA4-0B49845710C7}"/>
+              </a:ext>
+            </a:extLst>
+          </p:cNvPr>
+          <p:cNvSpPr/>
+          <p:nvPr/>
+        </p:nvSpPr>
+        <p:spPr>
+          <a:xfrm>
+            <a:off x="1005840" y="0"/>
+            <a:ext cx="3868939" cy="2180044"/>
+          </a:xfrm>
+          <a:custGeom>
+            <a:avLst/>
+            <a:gdLst>
+              <a:gd name="connsiteX0" fmla="*/ 1666715 w 3868939"/>
+              <a:gd name="connsiteY0" fmla="*/ 0 h 2180044"/>
+              <a:gd name="connsiteX1" fmla="*/ 3868939 w 3868939"/>
+              <a:gd name="connsiteY1" fmla="*/ 0 h 2180044"/>
+              <a:gd name="connsiteX2" fmla="*/ 859250 w 3868939"/>
+              <a:gd name="connsiteY2" fmla="*/ 2180044 h 2180044"/>
+              <a:gd name="connsiteX3" fmla="*/ 0 w 3868939"/>
+              <a:gd name="connsiteY3" fmla="*/ 1207272 h 2180044"/>
+            </a:gdLst>
+            <a:ahLst/>
+            <a:cxnLst>
+              <a:cxn ang="0">
+                <a:pos x="connsiteX0" y="connsiteY0"/>
+              </a:cxn>
+              <a:cxn ang="0">
+                <a:pos x="connsiteX1" y="connsiteY1"/>
+              </a:cxn>
+              <a:cxn ang="0">
+                <a:pos x="connsiteX2" y="connsiteY2"/>
+              </a:cxn>
+              <a:cxn ang="0">
+                <a:pos x="connsiteX3" y="connsiteY3"/>
+              </a:cxn>
+            </a:cxnLst>
+            <a:rect l="l" t="t" r="r" b="b"/>
+            <a:pathLst>
+              <a:path w="3868939" h="2180044">
+                <a:moveTo>
+                  <a:pt x="1666715" y="0"/>
+                </a:moveTo>
+                <a:lnTo>
+                  <a:pt x="3868939" y="0"/>
+                </a:lnTo>
+                <a:lnTo>
+                  <a:pt x="859250" y="2180044"/>
+                </a:lnTo>
+                <a:lnTo>
+                  <a:pt x="0" y="1207272"/>
+                </a:lnTo>
+                <a:close/>
+              </a:path>
+            </a:pathLst>
+          </a:custGeom>
+          <a:solidFill>
+            <a:schemeClr val="bg1"/>
+          </a:solidFill>
+          <a:ln>
+            <a:solidFill>
+              <a:schemeClr val="bg2">
+                <a:lumMod val="25000"/>
+              </a:schemeClr>
+            </a:solidFill>
+          </a:ln>
+        </p:spPr>
+        <p:style>
+          <a:lnRef idx="2">
+            <a:schemeClr val="accent1">
+              <a:shade val="50000"/>
+            </a:schemeClr>
+          </a:lnRef>
+          <a:fillRef idx="1">
+            <a:schemeClr val="accent1"/>
+          </a:fillRef>
+          <a:effectRef idx="0">
+            <a:schemeClr val="accent1"/>
+          </a:effectRef>
+          <a:fontRef idx="minor">
+            <a:schemeClr val="lt1"/>
+          </a:fontRef>
+        </p:style>
+        <p:txBody>
+          <a:bodyPr wrap="square" rtlCol="0" anchor="ctr">
+            <a:noAutofit/>
+          </a:bodyPr>
+          <a:lstStyle/>
+          <a:p>
+            <a:pPr algn="ctr"/>
+            <a:endParaRPr lang="en-US"/>
+          </a:p>
+        </p:txBody>
+      </p:sp>
+      <p:sp>
+        <p:nvSpPr>
+          <p:cNvPr id="26" name="Rectangle: Rounded Corners 25">
+            <a:extLst>
+              <a:ext uri="{FF2B5EF4-FFF2-40B4-BE49-F238E27FC236}">
+                <a16:creationId xmlns:a16="http://schemas.microsoft.com/office/drawing/2014/main" id="{9A83D411-7E80-5966-421F-CF16B63FBD29}"/>
+              </a:ext>
+            </a:extLst>
+          </p:cNvPr>
+          <p:cNvSpPr/>
+          <p:nvPr/>
+        </p:nvSpPr>
+        <p:spPr>
+          <a:xfrm>
+            <a:off x="250632" y="5348567"/>
+            <a:ext cx="2975893" cy="2611136"/>
+          </a:xfrm>
+          <a:prstGeom prst="roundRect">
+            <a:avLst/>
+          </a:prstGeom>
+          <a:noFill/>
+          <a:ln>
+            <a:solidFill>
+              <a:schemeClr val="bg2">
+                <a:lumMod val="75000"/>
+              </a:schemeClr>
+            </a:solidFill>
+          </a:ln>
+        </p:spPr>
+        <p:style>
+          <a:lnRef idx="2">
+            <a:schemeClr val="accent1">
+              <a:shade val="50000"/>
+            </a:schemeClr>
+          </a:lnRef>
+          <a:fillRef idx="1">
+            <a:schemeClr val="accent1"/>
+          </a:fillRef>
+          <a:effectRef idx="0">
+            <a:schemeClr val="accent1"/>
+          </a:effectRef>
+          <a:fontRef idx="minor">
+            <a:schemeClr val="lt1"/>
+          </a:fontRef>
+        </p:style>
+        <p:txBody>
+          <a:bodyPr rtlCol="0" anchor="ctr"/>
+          <a:lstStyle/>
+          <a:p>
+            <a:pPr algn="just"/>
+            <a:r>
+              <a:rPr lang="en-US" sz="2100" dirty="0">
+                <a:solidFill>
+                  <a:schemeClr val="bg2">
+                    <a:lumMod val="25000"/>
+                  </a:schemeClr>
+                </a:solidFill>
+              </a:rPr>
+              <a:t>Prepared by:</a:t>
+            </a:r>
+          </a:p>
+          <a:p>
+            <a:pPr algn="just"/>
+            <a:r>
+              <a:rPr lang="en-US" sz="2100">
+                <a:solidFill>
+                  <a:schemeClr val="bg2">
+                    <a:lumMod val="25000"/>
+                  </a:schemeClr>
+                </a:solidFill>
+              </a:rPr>
+              <a:t>Antor Hawlader</a:t>
+            </a:r>
+          </a:p>
+          <a:p>
+            <a:pPr algn="just"/>
+            <a:r>
+              <a:rPr lang="en-US" sz="2100">
+                <a:solidFill>
+                  <a:schemeClr val="bg2">
+                    <a:lumMod val="25000"/>
+                  </a:schemeClr>
+                </a:solidFill>
+              </a:rPr>
+              <a:t>ID: 2220710</a:t>
+            </a:r>
+            <a:r>
+              <a:rPr lang="en-US" sz="2100" b="1">
+                <a:solidFill>
+                  <a:schemeClr val="bg2">
+                    <a:lumMod val="25000"/>
+                  </a:schemeClr>
+                </a:solidFill>
+              </a:rPr>
+              <a:t>24</a:t>
+            </a:r>
+            <a:endParaRPr lang="en-US" sz="2100" b="1" dirty="0">
+              <a:solidFill>
+                <a:schemeClr val="bg2">
+                  <a:lumMod val="25000"/>
+                </a:schemeClr>
+              </a:solidFill>
+            </a:endParaRPr>
+          </a:p>
+          <a:p>
+            <a:pPr algn="just"/>
+            <a:r>
+              <a:rPr lang="en-US" sz="2100" dirty="0">
+                <a:solidFill>
+                  <a:schemeClr val="bg2">
+                    <a:lumMod val="25000"/>
+                  </a:schemeClr>
+                </a:solidFill>
+              </a:rPr>
+              <a:t>Dept</a:t>
+            </a:r>
+            <a:r>
+              <a:rPr lang="en-US" sz="2100">
+                <a:solidFill>
+                  <a:schemeClr val="bg2">
+                    <a:lumMod val="25000"/>
+                  </a:schemeClr>
+                </a:solidFill>
+              </a:rPr>
+              <a:t>: CSE</a:t>
+            </a:r>
+          </a:p>
+          <a:p>
+            <a:pPr algn="just"/>
+            <a:r>
+              <a:rPr lang="en-US" sz="2100">
+                <a:solidFill>
+                  <a:schemeClr val="bg2">
+                    <a:lumMod val="25000"/>
+                  </a:schemeClr>
+                </a:solidFill>
+              </a:rPr>
+              <a:t>7</a:t>
+            </a:r>
+            <a:r>
+              <a:rPr lang="en-US" sz="2100" baseline="30000">
+                <a:solidFill>
+                  <a:schemeClr val="bg2">
+                    <a:lumMod val="25000"/>
+                  </a:schemeClr>
+                </a:solidFill>
+              </a:rPr>
+              <a:t>th</a:t>
+            </a:r>
+            <a:r>
+              <a:rPr lang="en-US" sz="2100">
+                <a:solidFill>
+                  <a:schemeClr val="bg2">
+                    <a:lumMod val="25000"/>
+                  </a:schemeClr>
+                </a:solidFill>
+              </a:rPr>
+              <a:t>  Semester</a:t>
+            </a:r>
+          </a:p>
+          <a:p>
+            <a:pPr algn="just"/>
+            <a:r>
+              <a:rPr lang="en-US" sz="2100">
+                <a:solidFill>
+                  <a:schemeClr val="bg2">
+                    <a:lumMod val="25000"/>
+                  </a:schemeClr>
+                </a:solidFill>
+              </a:rPr>
+              <a:t>Date</a:t>
+            </a:r>
+            <a:r>
+              <a:rPr lang="en-US" sz="1600">
+                <a:solidFill>
+                  <a:schemeClr val="bg2">
+                    <a:lumMod val="25000"/>
+                  </a:schemeClr>
+                </a:solidFill>
+              </a:rPr>
+              <a:t>: </a:t>
+            </a:r>
+            <a:r>
+              <a:rPr lang="en-US" sz="2100">
+                <a:solidFill>
+                  <a:schemeClr val="bg2">
+                    <a:lumMod val="25000"/>
+                  </a:schemeClr>
+                </a:solidFill>
+              </a:rPr>
+              <a:t>30-11-2024</a:t>
+            </a:r>
+            <a:endParaRPr lang="en-US" sz="2100" dirty="0">
+              <a:solidFill>
+                <a:schemeClr val="bg2">
+                  <a:lumMod val="25000"/>
+                </a:schemeClr>
+              </a:solidFill>
+            </a:endParaRPr>
+          </a:p>
+        </p:txBody>
+      </p:sp>
+      <p:sp>
+        <p:nvSpPr>
+          <p:cNvPr id="27" name="Rectangle: Rounded Corners 26">
+            <a:extLst>
+              <a:ext uri="{FF2B5EF4-FFF2-40B4-BE49-F238E27FC236}">
+                <a16:creationId xmlns:a16="http://schemas.microsoft.com/office/drawing/2014/main" id="{48EEC481-2BD7-7CBD-31AE-D5EA0CBD2F5D}"/>
+              </a:ext>
+            </a:extLst>
+          </p:cNvPr>
+          <p:cNvSpPr/>
+          <p:nvPr/>
+        </p:nvSpPr>
+        <p:spPr>
+          <a:xfrm>
+            <a:off x="3429000" y="5348566"/>
+            <a:ext cx="3178369" cy="2611137"/>
+          </a:xfrm>
+          <a:prstGeom prst="roundRect">
+            <a:avLst/>
+          </a:prstGeom>
+          <a:noFill/>
+          <a:ln>
+            <a:solidFill>
+              <a:schemeClr val="bg2">
+                <a:lumMod val="75000"/>
+              </a:schemeClr>
+            </a:solidFill>
+          </a:ln>
+        </p:spPr>
+        <p:style>
+          <a:lnRef idx="2">
+            <a:schemeClr val="accent1">
+              <a:shade val="50000"/>
+            </a:schemeClr>
+          </a:lnRef>
+          <a:fillRef idx="1">
+            <a:schemeClr val="accent1"/>
+          </a:fillRef>
+          <a:effectRef idx="0">
+            <a:schemeClr val="accent1"/>
+          </a:effectRef>
+          <a:fontRef idx="minor">
+            <a:schemeClr val="lt1"/>
+          </a:fontRef>
+        </p:style>
+        <p:txBody>
+          <a:bodyPr rtlCol="0" anchor="ctr"/>
+          <a:lstStyle/>
+          <a:p>
+            <a:pPr algn="r"/>
+            <a:endParaRPr lang="en-US" sz="2100" dirty="0">
+              <a:solidFill>
+                <a:schemeClr val="tx1">
+                  <a:lumMod val="85000"/>
+                  <a:lumOff val="15000"/>
+                </a:schemeClr>
+              </a:solidFill>
+            </a:endParaRPr>
+          </a:p>
+          <a:p>
+            <a:pPr algn="r"/>
+            <a:r>
+              <a:rPr lang="en-US" sz="2100">
+                <a:solidFill>
+                  <a:schemeClr val="tx1">
+                    <a:lumMod val="85000"/>
+                    <a:lumOff val="15000"/>
+                  </a:schemeClr>
+                </a:solidFill>
+              </a:rPr>
+              <a:t>Submitted to:</a:t>
+            </a:r>
+          </a:p>
+          <a:p>
+            <a:pPr algn="r"/>
+            <a:r>
+              <a:rPr lang="en-US" sz="2100">
+                <a:solidFill>
+                  <a:schemeClr val="tx1">
+                    <a:lumMod val="85000"/>
+                    <a:lumOff val="15000"/>
+                  </a:schemeClr>
+                </a:solidFill>
+              </a:rPr>
+              <a:t>Md Ariful Islam,</a:t>
+            </a:r>
+            <a:br>
+              <a:rPr lang="en-US" sz="2100">
+                <a:solidFill>
+                  <a:schemeClr val="tx1">
+                    <a:lumMod val="85000"/>
+                    <a:lumOff val="15000"/>
+                  </a:schemeClr>
+                </a:solidFill>
+              </a:rPr>
+            </a:br>
+            <a:r>
+              <a:rPr lang="en-US" sz="2100">
+                <a:solidFill>
+                  <a:schemeClr val="tx1">
+                    <a:lumMod val="85000"/>
+                    <a:lumOff val="15000"/>
+                  </a:schemeClr>
+                </a:solidFill>
+              </a:rPr>
+              <a:t>Lecturer,</a:t>
+            </a:r>
+          </a:p>
+          <a:p>
+            <a:pPr algn="r"/>
+            <a:r>
+              <a:rPr lang="en-US" sz="2100">
+                <a:solidFill>
+                  <a:schemeClr val="tx1">
+                    <a:lumMod val="85000"/>
+                    <a:lumOff val="15000"/>
+                  </a:schemeClr>
+                </a:solidFill>
+              </a:rPr>
+              <a:t>Department of CSE &amp; CSIT </a:t>
+            </a:r>
+            <a:br>
+              <a:rPr lang="en-US" sz="2100">
+                <a:solidFill>
+                  <a:schemeClr val="tx1">
+                    <a:lumMod val="85000"/>
+                    <a:lumOff val="15000"/>
+                  </a:schemeClr>
+                </a:solidFill>
+              </a:rPr>
+            </a:br>
+            <a:r>
+              <a:rPr lang="en-US" sz="2100">
+                <a:solidFill>
+                  <a:schemeClr val="tx1">
+                    <a:lumMod val="85000"/>
+                    <a:lumOff val="15000"/>
+                  </a:schemeClr>
+                </a:solidFill>
+              </a:rPr>
+              <a:t>SMUCT</a:t>
+            </a:r>
+          </a:p>
+          <a:p>
+            <a:pPr algn="ctr"/>
+            <a:endParaRPr lang="en-US" sz="2100" dirty="0"/>
+          </a:p>
+        </p:txBody>
+      </p:sp>
+    </p:spTree>
+    <p:extLst>
+      <p:ext uri="{BB962C8B-B14F-4D97-AF65-F5344CB8AC3E}">
         <p14:creationId xmlns:p14="http://schemas.microsoft.com/office/powerpoint/2010/main" val="4000693418"/>
       </p:ext>
     </p:extLst>
@@ -6237,7 +7292,7 @@
 </p:sld>
 </file>
 
-<file path=ppt/slides/slide3.xml><?xml version="1.0" encoding="utf-8"?>
+<file path=ppt/slides/slide4.xml><?xml version="1.0" encoding="utf-8"?>
 <p:sld xmlns:a="http://schemas.openxmlformats.org/drawingml/2006/main" xmlns:r="http://schemas.openxmlformats.org/officeDocument/2006/relationships" xmlns:p="http://schemas.openxmlformats.org/presentationml/2006/main">
   <p:cSld>
     <p:spTree>
@@ -6864,15 +7919,6 @@
 </file>
 
 <file path=customXml/item1.xml><?xml version="1.0" encoding="utf-8"?>
-<?mso-contentType ?>
-<FormTemplates xmlns="http://schemas.microsoft.com/sharepoint/v3/contenttype/forms">
-  <Display>DocumentLibraryForm</Display>
-  <Edit>DocumentLibraryForm</Edit>
-  <New>DocumentLibraryForm</New>
-</FormTemplates>
-</file>
-
-<file path=customXml/item2.xml><?xml version="1.0" encoding="utf-8"?>
 <p:properties xmlns:p="http://schemas.microsoft.com/office/2006/metadata/properties" xmlns:xsi="http://www.w3.org/2001/XMLSchema-instance" xmlns:pc="http://schemas.microsoft.com/office/infopath/2007/PartnerControls">
   <documentManagement>
     <Status xmlns="71af3243-3dd4-4a8d-8c0d-dd76da1f02a5">Not started</Status>
@@ -6889,6 +7935,15 @@
     <MediaServiceKeyPoints xmlns="71af3243-3dd4-4a8d-8c0d-dd76da1f02a5" xsi:nil="true"/>
   </documentManagement>
 </p:properties>
+</file>
+
+<file path=customXml/item2.xml><?xml version="1.0" encoding="utf-8"?>
+<?mso-contentType ?>
+<FormTemplates xmlns="http://schemas.microsoft.com/sharepoint/v3/contenttype/forms">
+  <Display>DocumentLibraryForm</Display>
+  <Edit>DocumentLibraryForm</Edit>
+  <New>DocumentLibraryForm</New>
+</FormTemplates>
 </file>
 
 <file path=customXml/item3.xml><?xml version="1.0" encoding="utf-8"?>
@@ -7168,14 +8223,6 @@
 </file>
 
 <file path=customXml/itemProps1.xml><?xml version="1.0" encoding="utf-8"?>
-<ds:datastoreItem xmlns:ds="http://schemas.openxmlformats.org/officeDocument/2006/customXml" ds:itemID="{915C1F8C-D27A-4CE7-9DF4-4AFDB2880FA9}">
-  <ds:schemaRefs>
-    <ds:schemaRef ds:uri="http://schemas.microsoft.com/sharepoint/v3/contenttype/forms"/>
-  </ds:schemaRefs>
-</ds:datastoreItem>
-</file>
-
-<file path=customXml/itemProps2.xml><?xml version="1.0" encoding="utf-8"?>
 <ds:datastoreItem xmlns:ds="http://schemas.openxmlformats.org/officeDocument/2006/customXml" ds:itemID="{FDF283A3-AA81-4663-8764-64F64C723FD1}">
   <ds:schemaRefs>
     <ds:schemaRef ds:uri="http://schemas.microsoft.com/office/2006/metadata/properties"/>
@@ -7183,6 +8230,14 @@
     <ds:schemaRef ds:uri="71af3243-3dd4-4a8d-8c0d-dd76da1f02a5"/>
     <ds:schemaRef ds:uri="http://schemas.microsoft.com/sharepoint/v3"/>
     <ds:schemaRef ds:uri="230e9df3-be65-4c73-a93b-d1236ebd677e"/>
+  </ds:schemaRefs>
+</ds:datastoreItem>
+</file>
+
+<file path=customXml/itemProps2.xml><?xml version="1.0" encoding="utf-8"?>
+<ds:datastoreItem xmlns:ds="http://schemas.openxmlformats.org/officeDocument/2006/customXml" ds:itemID="{915C1F8C-D27A-4CE7-9DF4-4AFDB2880FA9}">
+  <ds:schemaRefs>
+    <ds:schemaRef ds:uri="http://schemas.microsoft.com/sharepoint/v3/contenttype/forms"/>
   </ds:schemaRefs>
 </ds:datastoreItem>
 </file>
